--- a/week_9/9.1 Test-Driven Design.pptx
+++ b/week_9/9.1 Test-Driven Design.pptx
@@ -6,6 +6,15 @@
   </p:sldMasterIdLst>
   <p:sldIdLst>
     <p:sldId id="256" r:id="rId2"/>
+    <p:sldId id="257" r:id="rId3"/>
+    <p:sldId id="258" r:id="rId4"/>
+    <p:sldId id="259" r:id="rId5"/>
+    <p:sldId id="260" r:id="rId6"/>
+    <p:sldId id="261" r:id="rId7"/>
+    <p:sldId id="262" r:id="rId8"/>
+    <p:sldId id="263" r:id="rId9"/>
+    <p:sldId id="264" r:id="rId10"/>
+    <p:sldId id="265" r:id="rId11"/>
   </p:sldIdLst>
   <p:sldSz cx="9144000" cy="6858000" type="screen4x3"/>
   <p:notesSz cx="6858000" cy="9144000"/>
@@ -286,9 +295,9 @@
           <a:bodyPr/>
           <a:lstStyle/>
           <a:p>
-            <a:fld id="{30A10C02-35BF-C647-A35C-91B453C8803C}" type="datetimeFigureOut">
-              <a:rPr lang="en-US" smtClean="0"/>
-              <a:t>8/25/15</a:t>
+            <a:fld id="{4C4066D0-2897-2B4B-AF1A-F00144352A04}" type="datetimeFigureOut">
+              <a:rPr lang="en-US" smtClean="0"/>
+              <a:t>9/19/15</a:t>
             </a:fld>
             <a:endParaRPr lang="en-US"/>
           </a:p>
@@ -328,7 +337,7 @@
           <a:bodyPr/>
           <a:lstStyle/>
           <a:p>
-            <a:fld id="{D576CE50-954C-EE49-914C-7CDDE83BCB1C}" type="slidenum">
+            <a:fld id="{C814AD0A-90E5-944A-95E8-37433B8FE2F9}" type="slidenum">
               <a:rPr lang="en-US" smtClean="0"/>
               <a:t>‹#›</a:t>
             </a:fld>
@@ -339,7 +348,7 @@
     </p:spTree>
     <p:extLst>
       <p:ext uri="{BB962C8B-B14F-4D97-AF65-F5344CB8AC3E}">
-        <p14:creationId xmlns:p14="http://schemas.microsoft.com/office/powerpoint/2010/main" val="2100737142"/>
+        <p14:creationId xmlns:p14="http://schemas.microsoft.com/office/powerpoint/2010/main" val="3927698863"/>
       </p:ext>
     </p:extLst>
   </p:cSld>
@@ -456,9 +465,9 @@
           <a:bodyPr/>
           <a:lstStyle/>
           <a:p>
-            <a:fld id="{30A10C02-35BF-C647-A35C-91B453C8803C}" type="datetimeFigureOut">
-              <a:rPr lang="en-US" smtClean="0"/>
-              <a:t>8/25/15</a:t>
+            <a:fld id="{4C4066D0-2897-2B4B-AF1A-F00144352A04}" type="datetimeFigureOut">
+              <a:rPr lang="en-US" smtClean="0"/>
+              <a:t>9/19/15</a:t>
             </a:fld>
             <a:endParaRPr lang="en-US"/>
           </a:p>
@@ -498,7 +507,7 @@
           <a:bodyPr/>
           <a:lstStyle/>
           <a:p>
-            <a:fld id="{D576CE50-954C-EE49-914C-7CDDE83BCB1C}" type="slidenum">
+            <a:fld id="{C814AD0A-90E5-944A-95E8-37433B8FE2F9}" type="slidenum">
               <a:rPr lang="en-US" smtClean="0"/>
               <a:t>‹#›</a:t>
             </a:fld>
@@ -509,7 +518,7 @@
     </p:spTree>
     <p:extLst>
       <p:ext uri="{BB962C8B-B14F-4D97-AF65-F5344CB8AC3E}">
-        <p14:creationId xmlns:p14="http://schemas.microsoft.com/office/powerpoint/2010/main" val="461614950"/>
+        <p14:creationId xmlns:p14="http://schemas.microsoft.com/office/powerpoint/2010/main" val="3229179040"/>
       </p:ext>
     </p:extLst>
   </p:cSld>
@@ -636,9 +645,9 @@
           <a:bodyPr/>
           <a:lstStyle/>
           <a:p>
-            <a:fld id="{30A10C02-35BF-C647-A35C-91B453C8803C}" type="datetimeFigureOut">
-              <a:rPr lang="en-US" smtClean="0"/>
-              <a:t>8/25/15</a:t>
+            <a:fld id="{4C4066D0-2897-2B4B-AF1A-F00144352A04}" type="datetimeFigureOut">
+              <a:rPr lang="en-US" smtClean="0"/>
+              <a:t>9/19/15</a:t>
             </a:fld>
             <a:endParaRPr lang="en-US"/>
           </a:p>
@@ -678,7 +687,7 @@
           <a:bodyPr/>
           <a:lstStyle/>
           <a:p>
-            <a:fld id="{D576CE50-954C-EE49-914C-7CDDE83BCB1C}" type="slidenum">
+            <a:fld id="{C814AD0A-90E5-944A-95E8-37433B8FE2F9}" type="slidenum">
               <a:rPr lang="en-US" smtClean="0"/>
               <a:t>‹#›</a:t>
             </a:fld>
@@ -689,7 +698,7 @@
     </p:spTree>
     <p:extLst>
       <p:ext uri="{BB962C8B-B14F-4D97-AF65-F5344CB8AC3E}">
-        <p14:creationId xmlns:p14="http://schemas.microsoft.com/office/powerpoint/2010/main" val="1507192950"/>
+        <p14:creationId xmlns:p14="http://schemas.microsoft.com/office/powerpoint/2010/main" val="3013538054"/>
       </p:ext>
     </p:extLst>
   </p:cSld>
@@ -806,9 +815,9 @@
           <a:bodyPr/>
           <a:lstStyle/>
           <a:p>
-            <a:fld id="{30A10C02-35BF-C647-A35C-91B453C8803C}" type="datetimeFigureOut">
-              <a:rPr lang="en-US" smtClean="0"/>
-              <a:t>8/25/15</a:t>
+            <a:fld id="{4C4066D0-2897-2B4B-AF1A-F00144352A04}" type="datetimeFigureOut">
+              <a:rPr lang="en-US" smtClean="0"/>
+              <a:t>9/19/15</a:t>
             </a:fld>
             <a:endParaRPr lang="en-US"/>
           </a:p>
@@ -848,7 +857,7 @@
           <a:bodyPr/>
           <a:lstStyle/>
           <a:p>
-            <a:fld id="{D576CE50-954C-EE49-914C-7CDDE83BCB1C}" type="slidenum">
+            <a:fld id="{C814AD0A-90E5-944A-95E8-37433B8FE2F9}" type="slidenum">
               <a:rPr lang="en-US" smtClean="0"/>
               <a:t>‹#›</a:t>
             </a:fld>
@@ -859,7 +868,7 @@
     </p:spTree>
     <p:extLst>
       <p:ext uri="{BB962C8B-B14F-4D97-AF65-F5344CB8AC3E}">
-        <p14:creationId xmlns:p14="http://schemas.microsoft.com/office/powerpoint/2010/main" val="4120745623"/>
+        <p14:creationId xmlns:p14="http://schemas.microsoft.com/office/powerpoint/2010/main" val="3744547301"/>
       </p:ext>
     </p:extLst>
   </p:cSld>
@@ -1052,9 +1061,9 @@
           <a:bodyPr/>
           <a:lstStyle/>
           <a:p>
-            <a:fld id="{30A10C02-35BF-C647-A35C-91B453C8803C}" type="datetimeFigureOut">
-              <a:rPr lang="en-US" smtClean="0"/>
-              <a:t>8/25/15</a:t>
+            <a:fld id="{4C4066D0-2897-2B4B-AF1A-F00144352A04}" type="datetimeFigureOut">
+              <a:rPr lang="en-US" smtClean="0"/>
+              <a:t>9/19/15</a:t>
             </a:fld>
             <a:endParaRPr lang="en-US"/>
           </a:p>
@@ -1094,7 +1103,7 @@
           <a:bodyPr/>
           <a:lstStyle/>
           <a:p>
-            <a:fld id="{D576CE50-954C-EE49-914C-7CDDE83BCB1C}" type="slidenum">
+            <a:fld id="{C814AD0A-90E5-944A-95E8-37433B8FE2F9}" type="slidenum">
               <a:rPr lang="en-US" smtClean="0"/>
               <a:t>‹#›</a:t>
             </a:fld>
@@ -1105,7 +1114,7 @@
     </p:spTree>
     <p:extLst>
       <p:ext uri="{BB962C8B-B14F-4D97-AF65-F5344CB8AC3E}">
-        <p14:creationId xmlns:p14="http://schemas.microsoft.com/office/powerpoint/2010/main" val="1963337327"/>
+        <p14:creationId xmlns:p14="http://schemas.microsoft.com/office/powerpoint/2010/main" val="3442534846"/>
       </p:ext>
     </p:extLst>
   </p:cSld>
@@ -1340,9 +1349,9 @@
           <a:bodyPr/>
           <a:lstStyle/>
           <a:p>
-            <a:fld id="{30A10C02-35BF-C647-A35C-91B453C8803C}" type="datetimeFigureOut">
-              <a:rPr lang="en-US" smtClean="0"/>
-              <a:t>8/25/15</a:t>
+            <a:fld id="{4C4066D0-2897-2B4B-AF1A-F00144352A04}" type="datetimeFigureOut">
+              <a:rPr lang="en-US" smtClean="0"/>
+              <a:t>9/19/15</a:t>
             </a:fld>
             <a:endParaRPr lang="en-US"/>
           </a:p>
@@ -1382,7 +1391,7 @@
           <a:bodyPr/>
           <a:lstStyle/>
           <a:p>
-            <a:fld id="{D576CE50-954C-EE49-914C-7CDDE83BCB1C}" type="slidenum">
+            <a:fld id="{C814AD0A-90E5-944A-95E8-37433B8FE2F9}" type="slidenum">
               <a:rPr lang="en-US" smtClean="0"/>
               <a:t>‹#›</a:t>
             </a:fld>
@@ -1393,7 +1402,7 @@
     </p:spTree>
     <p:extLst>
       <p:ext uri="{BB962C8B-B14F-4D97-AF65-F5344CB8AC3E}">
-        <p14:creationId xmlns:p14="http://schemas.microsoft.com/office/powerpoint/2010/main" val="1868180245"/>
+        <p14:creationId xmlns:p14="http://schemas.microsoft.com/office/powerpoint/2010/main" val="712366714"/>
       </p:ext>
     </p:extLst>
   </p:cSld>
@@ -1762,9 +1771,9 @@
           <a:bodyPr/>
           <a:lstStyle/>
           <a:p>
-            <a:fld id="{30A10C02-35BF-C647-A35C-91B453C8803C}" type="datetimeFigureOut">
-              <a:rPr lang="en-US" smtClean="0"/>
-              <a:t>8/25/15</a:t>
+            <a:fld id="{4C4066D0-2897-2B4B-AF1A-F00144352A04}" type="datetimeFigureOut">
+              <a:rPr lang="en-US" smtClean="0"/>
+              <a:t>9/19/15</a:t>
             </a:fld>
             <a:endParaRPr lang="en-US"/>
           </a:p>
@@ -1804,7 +1813,7 @@
           <a:bodyPr/>
           <a:lstStyle/>
           <a:p>
-            <a:fld id="{D576CE50-954C-EE49-914C-7CDDE83BCB1C}" type="slidenum">
+            <a:fld id="{C814AD0A-90E5-944A-95E8-37433B8FE2F9}" type="slidenum">
               <a:rPr lang="en-US" smtClean="0"/>
               <a:t>‹#›</a:t>
             </a:fld>
@@ -1815,7 +1824,7 @@
     </p:spTree>
     <p:extLst>
       <p:ext uri="{BB962C8B-B14F-4D97-AF65-F5344CB8AC3E}">
-        <p14:creationId xmlns:p14="http://schemas.microsoft.com/office/powerpoint/2010/main" val="1402752593"/>
+        <p14:creationId xmlns:p14="http://schemas.microsoft.com/office/powerpoint/2010/main" val="1632541200"/>
       </p:ext>
     </p:extLst>
   </p:cSld>
@@ -1880,9 +1889,9 @@
           <a:bodyPr/>
           <a:lstStyle/>
           <a:p>
-            <a:fld id="{30A10C02-35BF-C647-A35C-91B453C8803C}" type="datetimeFigureOut">
-              <a:rPr lang="en-US" smtClean="0"/>
-              <a:t>8/25/15</a:t>
+            <a:fld id="{4C4066D0-2897-2B4B-AF1A-F00144352A04}" type="datetimeFigureOut">
+              <a:rPr lang="en-US" smtClean="0"/>
+              <a:t>9/19/15</a:t>
             </a:fld>
             <a:endParaRPr lang="en-US"/>
           </a:p>
@@ -1922,7 +1931,7 @@
           <a:bodyPr/>
           <a:lstStyle/>
           <a:p>
-            <a:fld id="{D576CE50-954C-EE49-914C-7CDDE83BCB1C}" type="slidenum">
+            <a:fld id="{C814AD0A-90E5-944A-95E8-37433B8FE2F9}" type="slidenum">
               <a:rPr lang="en-US" smtClean="0"/>
               <a:t>‹#›</a:t>
             </a:fld>
@@ -1933,7 +1942,7 @@
     </p:spTree>
     <p:extLst>
       <p:ext uri="{BB962C8B-B14F-4D97-AF65-F5344CB8AC3E}">
-        <p14:creationId xmlns:p14="http://schemas.microsoft.com/office/powerpoint/2010/main" val="3439998319"/>
+        <p14:creationId xmlns:p14="http://schemas.microsoft.com/office/powerpoint/2010/main" val="360610974"/>
       </p:ext>
     </p:extLst>
   </p:cSld>
@@ -1975,9 +1984,9 @@
           <a:bodyPr/>
           <a:lstStyle/>
           <a:p>
-            <a:fld id="{30A10C02-35BF-C647-A35C-91B453C8803C}" type="datetimeFigureOut">
-              <a:rPr lang="en-US" smtClean="0"/>
-              <a:t>8/25/15</a:t>
+            <a:fld id="{4C4066D0-2897-2B4B-AF1A-F00144352A04}" type="datetimeFigureOut">
+              <a:rPr lang="en-US" smtClean="0"/>
+              <a:t>9/19/15</a:t>
             </a:fld>
             <a:endParaRPr lang="en-US"/>
           </a:p>
@@ -2017,7 +2026,7 @@
           <a:bodyPr/>
           <a:lstStyle/>
           <a:p>
-            <a:fld id="{D576CE50-954C-EE49-914C-7CDDE83BCB1C}" type="slidenum">
+            <a:fld id="{C814AD0A-90E5-944A-95E8-37433B8FE2F9}" type="slidenum">
               <a:rPr lang="en-US" smtClean="0"/>
               <a:t>‹#›</a:t>
             </a:fld>
@@ -2028,7 +2037,7 @@
     </p:spTree>
     <p:extLst>
       <p:ext uri="{BB962C8B-B14F-4D97-AF65-F5344CB8AC3E}">
-        <p14:creationId xmlns:p14="http://schemas.microsoft.com/office/powerpoint/2010/main" val="746513072"/>
+        <p14:creationId xmlns:p14="http://schemas.microsoft.com/office/powerpoint/2010/main" val="2310314319"/>
       </p:ext>
     </p:extLst>
   </p:cSld>
@@ -2252,9 +2261,9 @@
           <a:bodyPr/>
           <a:lstStyle/>
           <a:p>
-            <a:fld id="{30A10C02-35BF-C647-A35C-91B453C8803C}" type="datetimeFigureOut">
-              <a:rPr lang="en-US" smtClean="0"/>
-              <a:t>8/25/15</a:t>
+            <a:fld id="{4C4066D0-2897-2B4B-AF1A-F00144352A04}" type="datetimeFigureOut">
+              <a:rPr lang="en-US" smtClean="0"/>
+              <a:t>9/19/15</a:t>
             </a:fld>
             <a:endParaRPr lang="en-US"/>
           </a:p>
@@ -2294,7 +2303,7 @@
           <a:bodyPr/>
           <a:lstStyle/>
           <a:p>
-            <a:fld id="{D576CE50-954C-EE49-914C-7CDDE83BCB1C}" type="slidenum">
+            <a:fld id="{C814AD0A-90E5-944A-95E8-37433B8FE2F9}" type="slidenum">
               <a:rPr lang="en-US" smtClean="0"/>
               <a:t>‹#›</a:t>
             </a:fld>
@@ -2305,7 +2314,7 @@
     </p:spTree>
     <p:extLst>
       <p:ext uri="{BB962C8B-B14F-4D97-AF65-F5344CB8AC3E}">
-        <p14:creationId xmlns:p14="http://schemas.microsoft.com/office/powerpoint/2010/main" val="2591459916"/>
+        <p14:creationId xmlns:p14="http://schemas.microsoft.com/office/powerpoint/2010/main" val="1606464182"/>
       </p:ext>
     </p:extLst>
   </p:cSld>
@@ -2505,9 +2514,9 @@
           <a:bodyPr/>
           <a:lstStyle/>
           <a:p>
-            <a:fld id="{30A10C02-35BF-C647-A35C-91B453C8803C}" type="datetimeFigureOut">
-              <a:rPr lang="en-US" smtClean="0"/>
-              <a:t>8/25/15</a:t>
+            <a:fld id="{4C4066D0-2897-2B4B-AF1A-F00144352A04}" type="datetimeFigureOut">
+              <a:rPr lang="en-US" smtClean="0"/>
+              <a:t>9/19/15</a:t>
             </a:fld>
             <a:endParaRPr lang="en-US"/>
           </a:p>
@@ -2547,7 +2556,7 @@
           <a:bodyPr/>
           <a:lstStyle/>
           <a:p>
-            <a:fld id="{D576CE50-954C-EE49-914C-7CDDE83BCB1C}" type="slidenum">
+            <a:fld id="{C814AD0A-90E5-944A-95E8-37433B8FE2F9}" type="slidenum">
               <a:rPr lang="en-US" smtClean="0"/>
               <a:t>‹#›</a:t>
             </a:fld>
@@ -2558,7 +2567,7 @@
     </p:spTree>
     <p:extLst>
       <p:ext uri="{BB962C8B-B14F-4D97-AF65-F5344CB8AC3E}">
-        <p14:creationId xmlns:p14="http://schemas.microsoft.com/office/powerpoint/2010/main" val="3234254996"/>
+        <p14:creationId xmlns:p14="http://schemas.microsoft.com/office/powerpoint/2010/main" val="3322381079"/>
       </p:ext>
     </p:extLst>
   </p:cSld>
@@ -2718,9 +2727,9 @@
             </a:lvl1pPr>
           </a:lstStyle>
           <a:p>
-            <a:fld id="{30A10C02-35BF-C647-A35C-91B453C8803C}" type="datetimeFigureOut">
-              <a:rPr lang="en-US" smtClean="0"/>
-              <a:t>8/25/15</a:t>
+            <a:fld id="{4C4066D0-2897-2B4B-AF1A-F00144352A04}" type="datetimeFigureOut">
+              <a:rPr lang="en-US" smtClean="0"/>
+              <a:t>9/19/15</a:t>
             </a:fld>
             <a:endParaRPr lang="en-US"/>
           </a:p>
@@ -2796,7 +2805,7 @@
             </a:lvl1pPr>
           </a:lstStyle>
           <a:p>
-            <a:fld id="{D576CE50-954C-EE49-914C-7CDDE83BCB1C}" type="slidenum">
+            <a:fld id="{C814AD0A-90E5-944A-95E8-37433B8FE2F9}" type="slidenum">
               <a:rPr lang="en-US" smtClean="0"/>
               <a:t>‹#›</a:t>
             </a:fld>
@@ -2807,7 +2816,7 @@
     </p:spTree>
     <p:extLst>
       <p:ext uri="{BB962C8B-B14F-4D97-AF65-F5344CB8AC3E}">
-        <p14:creationId xmlns:p14="http://schemas.microsoft.com/office/powerpoint/2010/main" val="10831140"/>
+        <p14:creationId xmlns:p14="http://schemas.microsoft.com/office/powerpoint/2010/main" val="3869902346"/>
       </p:ext>
     </p:extLst>
   </p:cSld>
@@ -3112,11 +3121,7 @@
           <a:p>
             <a:r>
               <a:rPr lang="en-US" dirty="0" smtClean="0"/>
-              <a:t>Test-</a:t>
-            </a:r>
-            <a:r>
-              <a:rPr lang="en-US" smtClean="0"/>
-              <a:t>Driven Design</a:t>
+              <a:t>Test-Driven Design</a:t>
             </a:r>
             <a:endParaRPr lang="en-US" dirty="0"/>
           </a:p>
@@ -3144,7 +3149,1017 @@
     </p:spTree>
     <p:extLst>
       <p:ext uri="{BB962C8B-B14F-4D97-AF65-F5344CB8AC3E}">
-        <p14:creationId xmlns:p14="http://schemas.microsoft.com/office/powerpoint/2010/main" val="1408560696"/>
+        <p14:creationId xmlns:p14="http://schemas.microsoft.com/office/powerpoint/2010/main" val="1625501776"/>
+      </p:ext>
+    </p:extLst>
+  </p:cSld>
+  <p:clrMapOvr>
+    <a:masterClrMapping/>
+  </p:clrMapOvr>
+</p:sld>
+</file>
+
+<file path=ppt/slides/slide10.xml><?xml version="1.0" encoding="utf-8"?>
+<p:sld xmlns:a="http://schemas.openxmlformats.org/drawingml/2006/main" xmlns:r="http://schemas.openxmlformats.org/officeDocument/2006/relationships" xmlns:p="http://schemas.openxmlformats.org/presentationml/2006/main">
+  <p:cSld>
+    <p:spTree>
+      <p:nvGrpSpPr>
+        <p:cNvPr id="1" name=""/>
+        <p:cNvGrpSpPr/>
+        <p:nvPr/>
+      </p:nvGrpSpPr>
+      <p:grpSpPr>
+        <a:xfrm>
+          <a:off x="0" y="0"/>
+          <a:ext cx="0" cy="0"/>
+          <a:chOff x="0" y="0"/>
+          <a:chExt cx="0" cy="0"/>
+        </a:xfrm>
+      </p:grpSpPr>
+      <p:sp>
+        <p:nvSpPr>
+          <p:cNvPr id="2" name="Title 1"/>
+          <p:cNvSpPr>
+            <a:spLocks noGrp="1"/>
+          </p:cNvSpPr>
+          <p:nvPr>
+            <p:ph type="title"/>
+          </p:nvPr>
+        </p:nvSpPr>
+        <p:spPr/>
+        <p:txBody>
+          <a:bodyPr/>
+          <a:lstStyle/>
+          <a:p>
+            <a:r>
+              <a:rPr lang="en-US" dirty="0" smtClean="0"/>
+              <a:t>Test-Driven Design</a:t>
+            </a:r>
+            <a:endParaRPr lang="en-US" dirty="0"/>
+          </a:p>
+        </p:txBody>
+      </p:sp>
+      <p:sp>
+        <p:nvSpPr>
+          <p:cNvPr id="3" name="Content Placeholder 2"/>
+          <p:cNvSpPr>
+            <a:spLocks noGrp="1"/>
+          </p:cNvSpPr>
+          <p:nvPr>
+            <p:ph idx="1"/>
+          </p:nvPr>
+        </p:nvSpPr>
+        <p:spPr/>
+        <p:txBody>
+          <a:bodyPr/>
+          <a:lstStyle/>
+          <a:p>
+            <a:r>
+              <a:rPr lang="en-US" dirty="0" smtClean="0"/>
+              <a:t>In order to accomplish this, our code needs to be modular</a:t>
+            </a:r>
+          </a:p>
+          <a:p>
+            <a:r>
+              <a:rPr lang="en-US" dirty="0" smtClean="0"/>
+              <a:t>Our classes need to have a single purpose</a:t>
+            </a:r>
+          </a:p>
+          <a:p>
+            <a:r>
+              <a:rPr lang="en-US" dirty="0" smtClean="0"/>
+              <a:t>Our functions need to accomplish a single goal</a:t>
+            </a:r>
+          </a:p>
+          <a:p>
+            <a:r>
+              <a:rPr lang="en-US" dirty="0" smtClean="0"/>
+              <a:t>When we write code that can be well tested, our code is naturally more modular</a:t>
+            </a:r>
+            <a:endParaRPr lang="en-US" dirty="0"/>
+          </a:p>
+        </p:txBody>
+      </p:sp>
+    </p:spTree>
+    <p:extLst>
+      <p:ext uri="{BB962C8B-B14F-4D97-AF65-F5344CB8AC3E}">
+        <p14:creationId xmlns:p14="http://schemas.microsoft.com/office/powerpoint/2010/main" val="3322788415"/>
+      </p:ext>
+    </p:extLst>
+  </p:cSld>
+  <p:clrMapOvr>
+    <a:masterClrMapping/>
+  </p:clrMapOvr>
+</p:sld>
+</file>
+
+<file path=ppt/slides/slide2.xml><?xml version="1.0" encoding="utf-8"?>
+<p:sld xmlns:a="http://schemas.openxmlformats.org/drawingml/2006/main" xmlns:r="http://schemas.openxmlformats.org/officeDocument/2006/relationships" xmlns:p="http://schemas.openxmlformats.org/presentationml/2006/main">
+  <p:cSld>
+    <p:spTree>
+      <p:nvGrpSpPr>
+        <p:cNvPr id="1" name=""/>
+        <p:cNvGrpSpPr/>
+        <p:nvPr/>
+      </p:nvGrpSpPr>
+      <p:grpSpPr>
+        <a:xfrm>
+          <a:off x="0" y="0"/>
+          <a:ext cx="0" cy="0"/>
+          <a:chOff x="0" y="0"/>
+          <a:chExt cx="0" cy="0"/>
+        </a:xfrm>
+      </p:grpSpPr>
+      <p:sp>
+        <p:nvSpPr>
+          <p:cNvPr id="2" name="Title 1"/>
+          <p:cNvSpPr>
+            <a:spLocks noGrp="1"/>
+          </p:cNvSpPr>
+          <p:nvPr>
+            <p:ph type="title"/>
+          </p:nvPr>
+        </p:nvSpPr>
+        <p:spPr/>
+        <p:txBody>
+          <a:bodyPr/>
+          <a:lstStyle/>
+          <a:p>
+            <a:r>
+              <a:rPr lang="en-US" dirty="0" smtClean="0"/>
+              <a:t>How we code now</a:t>
+            </a:r>
+            <a:endParaRPr lang="en-US" dirty="0"/>
+          </a:p>
+        </p:txBody>
+      </p:sp>
+      <p:sp>
+        <p:nvSpPr>
+          <p:cNvPr id="3" name="Content Placeholder 2"/>
+          <p:cNvSpPr>
+            <a:spLocks noGrp="1"/>
+          </p:cNvSpPr>
+          <p:nvPr>
+            <p:ph idx="1"/>
+          </p:nvPr>
+        </p:nvSpPr>
+        <p:spPr/>
+        <p:txBody>
+          <a:bodyPr/>
+          <a:lstStyle/>
+          <a:p>
+            <a:r>
+              <a:rPr lang="en-US" dirty="0" smtClean="0"/>
+              <a:t>Our current way of making sure our program works:</a:t>
+            </a:r>
+          </a:p>
+          <a:p>
+            <a:pPr lvl="1"/>
+            <a:r>
+              <a:rPr lang="en-US" dirty="0" smtClean="0"/>
+              <a:t>We first write code</a:t>
+            </a:r>
+          </a:p>
+          <a:p>
+            <a:pPr lvl="1"/>
+            <a:r>
+              <a:rPr lang="en-US" dirty="0" smtClean="0"/>
+              <a:t>We run the code</a:t>
+            </a:r>
+          </a:p>
+          <a:p>
+            <a:pPr lvl="1"/>
+            <a:r>
+              <a:rPr lang="en-US" dirty="0" smtClean="0"/>
+              <a:t>We fix the errors that we run into</a:t>
+            </a:r>
+          </a:p>
+          <a:p>
+            <a:pPr lvl="1"/>
+            <a:r>
+              <a:rPr lang="en-US" dirty="0" smtClean="0"/>
+              <a:t>We go back to the first step</a:t>
+            </a:r>
+          </a:p>
+          <a:p>
+            <a:r>
+              <a:rPr lang="en-US" dirty="0" smtClean="0"/>
+              <a:t>When do we say we are done?</a:t>
+            </a:r>
+          </a:p>
+          <a:p>
+            <a:endParaRPr lang="en-US" dirty="0"/>
+          </a:p>
+        </p:txBody>
+      </p:sp>
+    </p:spTree>
+    <p:extLst>
+      <p:ext uri="{BB962C8B-B14F-4D97-AF65-F5344CB8AC3E}">
+        <p14:creationId xmlns:p14="http://schemas.microsoft.com/office/powerpoint/2010/main" val="1555274798"/>
+      </p:ext>
+    </p:extLst>
+  </p:cSld>
+  <p:clrMapOvr>
+    <a:masterClrMapping/>
+  </p:clrMapOvr>
+</p:sld>
+</file>
+
+<file path=ppt/slides/slide3.xml><?xml version="1.0" encoding="utf-8"?>
+<p:sld xmlns:a="http://schemas.openxmlformats.org/drawingml/2006/main" xmlns:r="http://schemas.openxmlformats.org/officeDocument/2006/relationships" xmlns:p="http://schemas.openxmlformats.org/presentationml/2006/main">
+  <p:cSld>
+    <p:spTree>
+      <p:nvGrpSpPr>
+        <p:cNvPr id="1" name=""/>
+        <p:cNvGrpSpPr/>
+        <p:nvPr/>
+      </p:nvGrpSpPr>
+      <p:grpSpPr>
+        <a:xfrm>
+          <a:off x="0" y="0"/>
+          <a:ext cx="0" cy="0"/>
+          <a:chOff x="0" y="0"/>
+          <a:chExt cx="0" cy="0"/>
+        </a:xfrm>
+      </p:grpSpPr>
+      <p:sp>
+        <p:nvSpPr>
+          <p:cNvPr id="2" name="Title 1"/>
+          <p:cNvSpPr>
+            <a:spLocks noGrp="1"/>
+          </p:cNvSpPr>
+          <p:nvPr>
+            <p:ph type="title"/>
+          </p:nvPr>
+        </p:nvSpPr>
+        <p:spPr/>
+        <p:txBody>
+          <a:bodyPr/>
+          <a:lstStyle/>
+          <a:p>
+            <a:r>
+              <a:rPr lang="en-US" dirty="0" smtClean="0"/>
+              <a:t>How we code now</a:t>
+            </a:r>
+            <a:endParaRPr lang="en-US" dirty="0"/>
+          </a:p>
+        </p:txBody>
+      </p:sp>
+      <p:sp>
+        <p:nvSpPr>
+          <p:cNvPr id="3" name="Content Placeholder 2"/>
+          <p:cNvSpPr>
+            <a:spLocks noGrp="1"/>
+          </p:cNvSpPr>
+          <p:nvPr>
+            <p:ph idx="1"/>
+          </p:nvPr>
+        </p:nvSpPr>
+        <p:spPr/>
+        <p:txBody>
+          <a:bodyPr>
+            <a:normAutofit/>
+          </a:bodyPr>
+          <a:lstStyle/>
+          <a:p>
+            <a:r>
+              <a:rPr lang="en-US" dirty="0" smtClean="0"/>
+              <a:t>Now let’s say we want to edit our code a few weeks later. How do we make sure our program still works</a:t>
+            </a:r>
+            <a:r>
+              <a:rPr lang="en-US" dirty="0"/>
+              <a:t>?</a:t>
+            </a:r>
+            <a:endParaRPr lang="en-US" dirty="0" smtClean="0"/>
+          </a:p>
+          <a:p>
+            <a:pPr lvl="1"/>
+            <a:r>
+              <a:rPr lang="en-US" dirty="0" smtClean="0"/>
+              <a:t>We write code</a:t>
+            </a:r>
+          </a:p>
+          <a:p>
+            <a:pPr lvl="1"/>
+            <a:r>
+              <a:rPr lang="en-US" dirty="0" smtClean="0"/>
+              <a:t>We run our code to test our new code, as well as make sure our old code still works</a:t>
+            </a:r>
+          </a:p>
+          <a:p>
+            <a:pPr lvl="1"/>
+            <a:r>
+              <a:rPr lang="en-US" dirty="0" smtClean="0"/>
+              <a:t>We fix the errors that we run into</a:t>
+            </a:r>
+          </a:p>
+          <a:p>
+            <a:pPr lvl="1"/>
+            <a:r>
+              <a:rPr lang="en-US" dirty="0" smtClean="0"/>
+              <a:t>We go back to the first step</a:t>
+            </a:r>
+          </a:p>
+          <a:p>
+            <a:pPr lvl="1"/>
+            <a:endParaRPr lang="en-US" dirty="0"/>
+          </a:p>
+        </p:txBody>
+      </p:sp>
+    </p:spTree>
+    <p:extLst>
+      <p:ext uri="{BB962C8B-B14F-4D97-AF65-F5344CB8AC3E}">
+        <p14:creationId xmlns:p14="http://schemas.microsoft.com/office/powerpoint/2010/main" val="3151971573"/>
+      </p:ext>
+    </p:extLst>
+  </p:cSld>
+  <p:clrMapOvr>
+    <a:masterClrMapping/>
+  </p:clrMapOvr>
+</p:sld>
+</file>
+
+<file path=ppt/slides/slide4.xml><?xml version="1.0" encoding="utf-8"?>
+<p:sld xmlns:a="http://schemas.openxmlformats.org/drawingml/2006/main" xmlns:r="http://schemas.openxmlformats.org/officeDocument/2006/relationships" xmlns:p="http://schemas.openxmlformats.org/presentationml/2006/main">
+  <p:cSld>
+    <p:spTree>
+      <p:nvGrpSpPr>
+        <p:cNvPr id="1" name=""/>
+        <p:cNvGrpSpPr/>
+        <p:nvPr/>
+      </p:nvGrpSpPr>
+      <p:grpSpPr>
+        <a:xfrm>
+          <a:off x="0" y="0"/>
+          <a:ext cx="0" cy="0"/>
+          <a:chOff x="0" y="0"/>
+          <a:chExt cx="0" cy="0"/>
+        </a:xfrm>
+      </p:grpSpPr>
+      <p:sp>
+        <p:nvSpPr>
+          <p:cNvPr id="2" name="Title 1"/>
+          <p:cNvSpPr>
+            <a:spLocks noGrp="1"/>
+          </p:cNvSpPr>
+          <p:nvPr>
+            <p:ph type="title"/>
+          </p:nvPr>
+        </p:nvSpPr>
+        <p:spPr/>
+        <p:txBody>
+          <a:bodyPr/>
+          <a:lstStyle/>
+          <a:p>
+            <a:r>
+              <a:rPr lang="en-US" dirty="0" smtClean="0"/>
+              <a:t>The problem</a:t>
+            </a:r>
+            <a:endParaRPr lang="en-US" dirty="0"/>
+          </a:p>
+        </p:txBody>
+      </p:sp>
+      <p:sp>
+        <p:nvSpPr>
+          <p:cNvPr id="3" name="Content Placeholder 2"/>
+          <p:cNvSpPr>
+            <a:spLocks noGrp="1"/>
+          </p:cNvSpPr>
+          <p:nvPr>
+            <p:ph idx="1"/>
+          </p:nvPr>
+        </p:nvSpPr>
+        <p:spPr/>
+        <p:txBody>
+          <a:bodyPr/>
+          <a:lstStyle/>
+          <a:p>
+            <a:r>
+              <a:rPr lang="en-US" dirty="0" smtClean="0"/>
+              <a:t>In both cases, we had to run our code in the same ways over and over again</a:t>
+            </a:r>
+          </a:p>
+          <a:p>
+            <a:r>
+              <a:rPr lang="en-US" dirty="0" smtClean="0"/>
+              <a:t>Time consuming and error prone</a:t>
+            </a:r>
+          </a:p>
+          <a:p>
+            <a:r>
+              <a:rPr lang="en-US" dirty="0" smtClean="0"/>
+              <a:t>What can we do?</a:t>
+            </a:r>
+            <a:endParaRPr lang="en-US" dirty="0"/>
+          </a:p>
+        </p:txBody>
+      </p:sp>
+    </p:spTree>
+    <p:extLst>
+      <p:ext uri="{BB962C8B-B14F-4D97-AF65-F5344CB8AC3E}">
+        <p14:creationId xmlns:p14="http://schemas.microsoft.com/office/powerpoint/2010/main" val="53306601"/>
+      </p:ext>
+    </p:extLst>
+  </p:cSld>
+  <p:clrMapOvr>
+    <a:masterClrMapping/>
+  </p:clrMapOvr>
+</p:sld>
+</file>
+
+<file path=ppt/slides/slide5.xml><?xml version="1.0" encoding="utf-8"?>
+<p:sld xmlns:a="http://schemas.openxmlformats.org/drawingml/2006/main" xmlns:r="http://schemas.openxmlformats.org/officeDocument/2006/relationships" xmlns:p="http://schemas.openxmlformats.org/presentationml/2006/main">
+  <p:cSld>
+    <p:spTree>
+      <p:nvGrpSpPr>
+        <p:cNvPr id="1" name=""/>
+        <p:cNvGrpSpPr/>
+        <p:nvPr/>
+      </p:nvGrpSpPr>
+      <p:grpSpPr>
+        <a:xfrm>
+          <a:off x="0" y="0"/>
+          <a:ext cx="0" cy="0"/>
+          <a:chOff x="0" y="0"/>
+          <a:chExt cx="0" cy="0"/>
+        </a:xfrm>
+      </p:grpSpPr>
+      <p:sp>
+        <p:nvSpPr>
+          <p:cNvPr id="2" name="Title 1"/>
+          <p:cNvSpPr>
+            <a:spLocks noGrp="1"/>
+          </p:cNvSpPr>
+          <p:nvPr>
+            <p:ph type="title"/>
+          </p:nvPr>
+        </p:nvSpPr>
+        <p:spPr/>
+        <p:txBody>
+          <a:bodyPr/>
+          <a:lstStyle/>
+          <a:p>
+            <a:r>
+              <a:rPr lang="en-US" dirty="0" smtClean="0"/>
+              <a:t>The solution</a:t>
+            </a:r>
+            <a:endParaRPr lang="en-US" dirty="0"/>
+          </a:p>
+        </p:txBody>
+      </p:sp>
+      <p:sp>
+        <p:nvSpPr>
+          <p:cNvPr id="3" name="Content Placeholder 2"/>
+          <p:cNvSpPr>
+            <a:spLocks noGrp="1"/>
+          </p:cNvSpPr>
+          <p:nvPr>
+            <p:ph idx="1"/>
+          </p:nvPr>
+        </p:nvSpPr>
+        <p:spPr/>
+        <p:txBody>
+          <a:bodyPr/>
+          <a:lstStyle/>
+          <a:p>
+            <a:r>
+              <a:rPr lang="en-US" dirty="0" smtClean="0"/>
+              <a:t>We can write code that automate this process called tests</a:t>
+            </a:r>
+          </a:p>
+          <a:p>
+            <a:r>
+              <a:rPr lang="en-US" dirty="0" smtClean="0"/>
+              <a:t>Tests run your code and determines if your code produced the results you expect</a:t>
+            </a:r>
+          </a:p>
+          <a:p>
+            <a:r>
+              <a:rPr lang="en-US" dirty="0" smtClean="0"/>
+              <a:t>Tests gives you confidence that new code did not break old functionality</a:t>
+            </a:r>
+          </a:p>
+          <a:p>
+            <a:endParaRPr lang="en-US" dirty="0"/>
+          </a:p>
+        </p:txBody>
+      </p:sp>
+    </p:spTree>
+    <p:extLst>
+      <p:ext uri="{BB962C8B-B14F-4D97-AF65-F5344CB8AC3E}">
+        <p14:creationId xmlns:p14="http://schemas.microsoft.com/office/powerpoint/2010/main" val="2939395021"/>
+      </p:ext>
+    </p:extLst>
+  </p:cSld>
+  <p:clrMapOvr>
+    <a:masterClrMapping/>
+  </p:clrMapOvr>
+</p:sld>
+</file>
+
+<file path=ppt/slides/slide6.xml><?xml version="1.0" encoding="utf-8"?>
+<p:sld xmlns:a="http://schemas.openxmlformats.org/drawingml/2006/main" xmlns:r="http://schemas.openxmlformats.org/officeDocument/2006/relationships" xmlns:p="http://schemas.openxmlformats.org/presentationml/2006/main">
+  <p:cSld>
+    <p:spTree>
+      <p:nvGrpSpPr>
+        <p:cNvPr id="1" name=""/>
+        <p:cNvGrpSpPr/>
+        <p:nvPr/>
+      </p:nvGrpSpPr>
+      <p:grpSpPr>
+        <a:xfrm>
+          <a:off x="0" y="0"/>
+          <a:ext cx="0" cy="0"/>
+          <a:chOff x="0" y="0"/>
+          <a:chExt cx="0" cy="0"/>
+        </a:xfrm>
+      </p:grpSpPr>
+      <p:sp>
+        <p:nvSpPr>
+          <p:cNvPr id="2" name="Title 1"/>
+          <p:cNvSpPr>
+            <a:spLocks noGrp="1"/>
+          </p:cNvSpPr>
+          <p:nvPr>
+            <p:ph type="title"/>
+          </p:nvPr>
+        </p:nvSpPr>
+        <p:spPr/>
+        <p:txBody>
+          <a:bodyPr/>
+          <a:lstStyle/>
+          <a:p>
+            <a:r>
+              <a:rPr lang="en-US" dirty="0" smtClean="0"/>
+              <a:t>Testing Terms</a:t>
+            </a:r>
+            <a:endParaRPr lang="en-US" dirty="0"/>
+          </a:p>
+        </p:txBody>
+      </p:sp>
+      <p:sp>
+        <p:nvSpPr>
+          <p:cNvPr id="3" name="Content Placeholder 2"/>
+          <p:cNvSpPr>
+            <a:spLocks noGrp="1"/>
+          </p:cNvSpPr>
+          <p:nvPr>
+            <p:ph idx="1"/>
+          </p:nvPr>
+        </p:nvSpPr>
+        <p:spPr/>
+        <p:txBody>
+          <a:bodyPr>
+            <a:normAutofit fontScale="92500" lnSpcReduction="10000"/>
+          </a:bodyPr>
+          <a:lstStyle/>
+          <a:p>
+            <a:r>
+              <a:rPr lang="en-US" dirty="0" smtClean="0"/>
+              <a:t>Test Case</a:t>
+            </a:r>
+          </a:p>
+          <a:p>
+            <a:pPr lvl="1"/>
+            <a:r>
+              <a:rPr lang="en-US" dirty="0"/>
+              <a:t>s</a:t>
+            </a:r>
+            <a:r>
+              <a:rPr lang="en-US" dirty="0" smtClean="0"/>
+              <a:t>et of statements that checks for a specific response to a set of inputs</a:t>
+            </a:r>
+          </a:p>
+          <a:p>
+            <a:r>
+              <a:rPr lang="en-US" dirty="0" smtClean="0"/>
+              <a:t>Test Suite</a:t>
+            </a:r>
+          </a:p>
+          <a:p>
+            <a:pPr lvl="1"/>
+            <a:r>
+              <a:rPr lang="en-US" dirty="0" smtClean="0"/>
+              <a:t>collection of test cases or test suites that are run together</a:t>
+            </a:r>
+          </a:p>
+          <a:p>
+            <a:r>
+              <a:rPr lang="en-US" dirty="0" smtClean="0"/>
+              <a:t>Test Fixture</a:t>
+            </a:r>
+          </a:p>
+          <a:p>
+            <a:pPr lvl="1"/>
+            <a:r>
+              <a:rPr lang="en-US" dirty="0" smtClean="0"/>
+              <a:t>preparation done before running test cases</a:t>
+            </a:r>
+          </a:p>
+          <a:p>
+            <a:r>
+              <a:rPr lang="en-US" dirty="0" smtClean="0"/>
+              <a:t>Test Runner</a:t>
+            </a:r>
+          </a:p>
+          <a:p>
+            <a:pPr lvl="1"/>
+            <a:r>
+              <a:rPr lang="en-US" dirty="0"/>
+              <a:t>a</a:t>
+            </a:r>
+            <a:r>
+              <a:rPr lang="en-US" dirty="0" smtClean="0"/>
+              <a:t>pplication that runs your test suites</a:t>
+            </a:r>
+            <a:endParaRPr lang="en-US" dirty="0"/>
+          </a:p>
+        </p:txBody>
+      </p:sp>
+    </p:spTree>
+    <p:extLst>
+      <p:ext uri="{BB962C8B-B14F-4D97-AF65-F5344CB8AC3E}">
+        <p14:creationId xmlns:p14="http://schemas.microsoft.com/office/powerpoint/2010/main" val="3470595910"/>
+      </p:ext>
+    </p:extLst>
+  </p:cSld>
+  <p:clrMapOvr>
+    <a:masterClrMapping/>
+  </p:clrMapOvr>
+</p:sld>
+</file>
+
+<file path=ppt/slides/slide7.xml><?xml version="1.0" encoding="utf-8"?>
+<p:sld xmlns:a="http://schemas.openxmlformats.org/drawingml/2006/main" xmlns:r="http://schemas.openxmlformats.org/officeDocument/2006/relationships" xmlns:p="http://schemas.openxmlformats.org/presentationml/2006/main">
+  <p:cSld>
+    <p:spTree>
+      <p:nvGrpSpPr>
+        <p:cNvPr id="1" name=""/>
+        <p:cNvGrpSpPr/>
+        <p:nvPr/>
+      </p:nvGrpSpPr>
+      <p:grpSpPr>
+        <a:xfrm>
+          <a:off x="0" y="0"/>
+          <a:ext cx="0" cy="0"/>
+          <a:chOff x="0" y="0"/>
+          <a:chExt cx="0" cy="0"/>
+        </a:xfrm>
+      </p:grpSpPr>
+      <p:sp>
+        <p:nvSpPr>
+          <p:cNvPr id="2" name="Title 1"/>
+          <p:cNvSpPr>
+            <a:spLocks noGrp="1"/>
+          </p:cNvSpPr>
+          <p:nvPr>
+            <p:ph type="title"/>
+          </p:nvPr>
+        </p:nvSpPr>
+        <p:spPr/>
+        <p:txBody>
+          <a:bodyPr/>
+          <a:lstStyle/>
+          <a:p>
+            <a:r>
+              <a:rPr lang="en-US" dirty="0" smtClean="0"/>
+              <a:t>Example</a:t>
+            </a:r>
+            <a:endParaRPr lang="en-US" dirty="0"/>
+          </a:p>
+        </p:txBody>
+      </p:sp>
+      <p:sp>
+        <p:nvSpPr>
+          <p:cNvPr id="6" name="Rectangle 5"/>
+          <p:cNvSpPr/>
+          <p:nvPr/>
+        </p:nvSpPr>
+        <p:spPr>
+          <a:xfrm>
+            <a:off x="1481667" y="1871346"/>
+            <a:ext cx="6279444" cy="3785652"/>
+          </a:xfrm>
+          <a:prstGeom prst="rect">
+            <a:avLst/>
+          </a:prstGeom>
+        </p:spPr>
+        <p:txBody>
+          <a:bodyPr wrap="square">
+            <a:spAutoFit/>
+          </a:bodyPr>
+          <a:lstStyle/>
+          <a:p>
+            <a:r>
+              <a:rPr lang="en-US" sz="2400" dirty="0" smtClean="0"/>
+              <a:t>import </a:t>
+            </a:r>
+            <a:r>
+              <a:rPr lang="en-US" sz="2400" dirty="0" err="1" smtClean="0"/>
+              <a:t>unittest</a:t>
+            </a:r>
+            <a:endParaRPr lang="en-US" sz="2400" dirty="0" smtClean="0"/>
+          </a:p>
+          <a:p>
+            <a:endParaRPr lang="en-US" sz="2400" dirty="0" smtClean="0"/>
+          </a:p>
+          <a:p>
+            <a:r>
+              <a:rPr lang="en-US" sz="2400" dirty="0" smtClean="0"/>
+              <a:t>class </a:t>
+            </a:r>
+            <a:r>
+              <a:rPr lang="en-US" sz="2400" dirty="0" err="1" smtClean="0"/>
+              <a:t>TestStringMethods</a:t>
+            </a:r>
+            <a:r>
+              <a:rPr lang="en-US" sz="2400" dirty="0" smtClean="0"/>
+              <a:t>(</a:t>
+            </a:r>
+            <a:r>
+              <a:rPr lang="en-US" sz="2400" dirty="0" err="1" smtClean="0"/>
+              <a:t>unittest.TestCase</a:t>
+            </a:r>
+            <a:r>
+              <a:rPr lang="en-US" sz="2400" dirty="0" smtClean="0"/>
+              <a:t>):</a:t>
+            </a:r>
+          </a:p>
+          <a:p>
+            <a:endParaRPr lang="en-US" sz="2400" dirty="0" smtClean="0"/>
+          </a:p>
+          <a:p>
+            <a:r>
+              <a:rPr lang="en-US" sz="2400" dirty="0" smtClean="0"/>
+              <a:t>  </a:t>
+            </a:r>
+            <a:r>
+              <a:rPr lang="en-US" sz="2400" dirty="0" err="1" smtClean="0"/>
+              <a:t>def</a:t>
+            </a:r>
+            <a:r>
+              <a:rPr lang="en-US" sz="2400" dirty="0" smtClean="0"/>
+              <a:t> </a:t>
+            </a:r>
+            <a:r>
+              <a:rPr lang="en-US" sz="2400" dirty="0" err="1" smtClean="0"/>
+              <a:t>test_isupper</a:t>
+            </a:r>
+            <a:r>
+              <a:rPr lang="en-US" sz="2400" dirty="0" smtClean="0"/>
+              <a:t>(self):</a:t>
+            </a:r>
+          </a:p>
+          <a:p>
+            <a:r>
+              <a:rPr lang="en-US" sz="2400" dirty="0" smtClean="0"/>
+              <a:t>      </a:t>
+            </a:r>
+            <a:r>
+              <a:rPr lang="en-US" sz="2400" dirty="0" err="1" smtClean="0"/>
+              <a:t>self.assertTrue</a:t>
+            </a:r>
+            <a:r>
+              <a:rPr lang="en-US" sz="2400" dirty="0" smtClean="0"/>
+              <a:t>('FOO'.</a:t>
+            </a:r>
+            <a:r>
+              <a:rPr lang="en-US" sz="2400" dirty="0" err="1" smtClean="0"/>
+              <a:t>isupper</a:t>
+            </a:r>
+            <a:r>
+              <a:rPr lang="en-US" sz="2400" dirty="0" smtClean="0"/>
+              <a:t>())</a:t>
+            </a:r>
+          </a:p>
+          <a:p>
+            <a:r>
+              <a:rPr lang="en-US" sz="2400" dirty="0" smtClean="0"/>
+              <a:t>      </a:t>
+            </a:r>
+            <a:r>
+              <a:rPr lang="en-US" sz="2400" dirty="0" err="1" smtClean="0"/>
+              <a:t>self.assertFalse</a:t>
+            </a:r>
+            <a:r>
+              <a:rPr lang="en-US" sz="2400" dirty="0" smtClean="0"/>
+              <a:t>('Foo'.</a:t>
+            </a:r>
+            <a:r>
+              <a:rPr lang="en-US" sz="2400" dirty="0" err="1" smtClean="0"/>
+              <a:t>isupper</a:t>
+            </a:r>
+            <a:r>
+              <a:rPr lang="en-US" sz="2400" dirty="0" smtClean="0"/>
+              <a:t>())</a:t>
+            </a:r>
+          </a:p>
+          <a:p>
+            <a:endParaRPr lang="en-US" sz="2400" dirty="0" smtClean="0"/>
+          </a:p>
+          <a:p>
+            <a:r>
+              <a:rPr lang="en-US" sz="2400" dirty="0" smtClean="0"/>
+              <a:t>if __name__ == '__main__':</a:t>
+            </a:r>
+          </a:p>
+          <a:p>
+            <a:r>
+              <a:rPr lang="en-US" sz="2400" dirty="0" smtClean="0"/>
+              <a:t>    </a:t>
+            </a:r>
+            <a:r>
+              <a:rPr lang="en-US" sz="2400" dirty="0" err="1" smtClean="0"/>
+              <a:t>unittest.main</a:t>
+            </a:r>
+            <a:r>
+              <a:rPr lang="en-US" sz="2400" dirty="0" smtClean="0"/>
+              <a:t>()</a:t>
+            </a:r>
+            <a:endParaRPr lang="en-US" sz="2400" dirty="0"/>
+          </a:p>
+        </p:txBody>
+      </p:sp>
+    </p:spTree>
+    <p:extLst>
+      <p:ext uri="{BB962C8B-B14F-4D97-AF65-F5344CB8AC3E}">
+        <p14:creationId xmlns:p14="http://schemas.microsoft.com/office/powerpoint/2010/main" val="4058756870"/>
+      </p:ext>
+    </p:extLst>
+  </p:cSld>
+  <p:clrMapOvr>
+    <a:masterClrMapping/>
+  </p:clrMapOvr>
+</p:sld>
+</file>
+
+<file path=ppt/slides/slide8.xml><?xml version="1.0" encoding="utf-8"?>
+<p:sld xmlns:a="http://schemas.openxmlformats.org/drawingml/2006/main" xmlns:r="http://schemas.openxmlformats.org/officeDocument/2006/relationships" xmlns:p="http://schemas.openxmlformats.org/presentationml/2006/main">
+  <p:cSld>
+    <p:spTree>
+      <p:nvGrpSpPr>
+        <p:cNvPr id="1" name=""/>
+        <p:cNvGrpSpPr/>
+        <p:nvPr/>
+      </p:nvGrpSpPr>
+      <p:grpSpPr>
+        <a:xfrm>
+          <a:off x="0" y="0"/>
+          <a:ext cx="0" cy="0"/>
+          <a:chOff x="0" y="0"/>
+          <a:chExt cx="0" cy="0"/>
+        </a:xfrm>
+      </p:grpSpPr>
+      <p:sp>
+        <p:nvSpPr>
+          <p:cNvPr id="2" name="Title 1"/>
+          <p:cNvSpPr>
+            <a:spLocks noGrp="1"/>
+          </p:cNvSpPr>
+          <p:nvPr>
+            <p:ph type="title"/>
+          </p:nvPr>
+        </p:nvSpPr>
+        <p:spPr/>
+        <p:txBody>
+          <a:bodyPr/>
+          <a:lstStyle/>
+          <a:p>
+            <a:r>
+              <a:rPr lang="en-US" dirty="0" smtClean="0"/>
+              <a:t>Benefits</a:t>
+            </a:r>
+            <a:endParaRPr lang="en-US" dirty="0"/>
+          </a:p>
+        </p:txBody>
+      </p:sp>
+      <p:sp>
+        <p:nvSpPr>
+          <p:cNvPr id="3" name="Content Placeholder 2"/>
+          <p:cNvSpPr>
+            <a:spLocks noGrp="1"/>
+          </p:cNvSpPr>
+          <p:nvPr>
+            <p:ph idx="1"/>
+          </p:nvPr>
+        </p:nvSpPr>
+        <p:spPr/>
+        <p:txBody>
+          <a:bodyPr/>
+          <a:lstStyle/>
+          <a:p>
+            <a:r>
+              <a:rPr lang="en-US" dirty="0" smtClean="0"/>
+              <a:t>Ensure that code works as expected after modifications</a:t>
+            </a:r>
+          </a:p>
+          <a:p>
+            <a:r>
+              <a:rPr lang="en-US" dirty="0" smtClean="0"/>
+              <a:t>Can determine that every piece of code as been evaluated (Test Coverage)</a:t>
+            </a:r>
+          </a:p>
+          <a:p>
+            <a:r>
+              <a:rPr lang="en-US" dirty="0" smtClean="0"/>
+              <a:t>Typically forces better organization of code</a:t>
+            </a:r>
+            <a:endParaRPr lang="en-US" dirty="0"/>
+          </a:p>
+        </p:txBody>
+      </p:sp>
+    </p:spTree>
+    <p:extLst>
+      <p:ext uri="{BB962C8B-B14F-4D97-AF65-F5344CB8AC3E}">
+        <p14:creationId xmlns:p14="http://schemas.microsoft.com/office/powerpoint/2010/main" val="3798187061"/>
+      </p:ext>
+    </p:extLst>
+  </p:cSld>
+  <p:clrMapOvr>
+    <a:masterClrMapping/>
+  </p:clrMapOvr>
+</p:sld>
+</file>
+
+<file path=ppt/slides/slide9.xml><?xml version="1.0" encoding="utf-8"?>
+<p:sld xmlns:a="http://schemas.openxmlformats.org/drawingml/2006/main" xmlns:r="http://schemas.openxmlformats.org/officeDocument/2006/relationships" xmlns:p="http://schemas.openxmlformats.org/presentationml/2006/main">
+  <p:cSld>
+    <p:spTree>
+      <p:nvGrpSpPr>
+        <p:cNvPr id="1" name=""/>
+        <p:cNvGrpSpPr/>
+        <p:nvPr/>
+      </p:nvGrpSpPr>
+      <p:grpSpPr>
+        <a:xfrm>
+          <a:off x="0" y="0"/>
+          <a:ext cx="0" cy="0"/>
+          <a:chOff x="0" y="0"/>
+          <a:chExt cx="0" cy="0"/>
+        </a:xfrm>
+      </p:grpSpPr>
+      <p:sp>
+        <p:nvSpPr>
+          <p:cNvPr id="2" name="Title 1"/>
+          <p:cNvSpPr>
+            <a:spLocks noGrp="1"/>
+          </p:cNvSpPr>
+          <p:nvPr>
+            <p:ph type="title"/>
+          </p:nvPr>
+        </p:nvSpPr>
+        <p:spPr/>
+        <p:txBody>
+          <a:bodyPr/>
+          <a:lstStyle/>
+          <a:p>
+            <a:r>
+              <a:rPr lang="en-US" dirty="0" smtClean="0"/>
+              <a:t>Test Driven Development</a:t>
+            </a:r>
+            <a:endParaRPr lang="en-US" dirty="0"/>
+          </a:p>
+        </p:txBody>
+      </p:sp>
+      <p:sp>
+        <p:nvSpPr>
+          <p:cNvPr id="3" name="Content Placeholder 2"/>
+          <p:cNvSpPr>
+            <a:spLocks noGrp="1"/>
+          </p:cNvSpPr>
+          <p:nvPr>
+            <p:ph idx="1"/>
+          </p:nvPr>
+        </p:nvSpPr>
+        <p:spPr/>
+        <p:txBody>
+          <a:bodyPr/>
+          <a:lstStyle/>
+          <a:p>
+            <a:r>
+              <a:rPr lang="en-US" dirty="0" smtClean="0"/>
+              <a:t>Concept where tests are written before the actual code</a:t>
+            </a:r>
+          </a:p>
+          <a:p>
+            <a:r>
+              <a:rPr lang="en-US" dirty="0" smtClean="0"/>
+              <a:t>Write tests that will fail, then write code that will make those tests pass</a:t>
+            </a:r>
+          </a:p>
+          <a:p>
+            <a:r>
+              <a:rPr lang="en-US" dirty="0" smtClean="0"/>
+              <a:t>Forces better organization of code</a:t>
+            </a:r>
+            <a:endParaRPr lang="en-US" dirty="0"/>
+          </a:p>
+        </p:txBody>
+      </p:sp>
+    </p:spTree>
+    <p:extLst>
+      <p:ext uri="{BB962C8B-B14F-4D97-AF65-F5344CB8AC3E}">
+        <p14:creationId xmlns:p14="http://schemas.microsoft.com/office/powerpoint/2010/main" val="988703255"/>
       </p:ext>
     </p:extLst>
   </p:cSld>
